--- a/Presentation_0722_JiayuChen.pptx
+++ b/Presentation_0722_JiayuChen.pptx
@@ -251,7 +251,7 @@
       <p15:sldGuideLst xmlns:p15="http://schemas.microsoft.com/office/powerpoint/2012/main"/>
     </p:ext>
     <p:ext uri="GoogleSlidesCustomDataVersion2">
-      <go:slidesCustomData xmlns="" xmlns:mc="http://schemas.openxmlformats.org/markup-compatibility/2006" xmlns:mv="urn:schemas-microsoft-com:mac:vml" xmlns:c="http://schemas.openxmlformats.org/drawingml/2006/chart" xmlns:dgm="http://schemas.openxmlformats.org/drawingml/2006/diagram" xmlns:o="urn:schemas-microsoft-com:office:office" xmlns:v="urn:schemas-microsoft-com:vml" xmlns:pvml="urn:schemas-microsoft-com:office:powerpoint" xmlns:com="http://schemas.openxmlformats.org/drawingml/2006/compatibility" xmlns:p14="http://schemas.microsoft.com/office/powerpoint/2010/main" xmlns:p15="http://schemas.microsoft.com/office/powerpoint/2012/main" xmlns:ahyp="http://schemas.microsoft.com/office/drawing/2018/hyperlinkcolor" xmlns:go="http://customooxmlschemas.google.com/" r:id="rId31" roundtripDataSignature="AMtx7mi7AOUiGfioVPTFrFzTi+gJGDXQ/w=="/>
+      <go:slidesCustomData xmlns:go="http://customooxmlschemas.google.com/" xmlns:ahyp="http://schemas.microsoft.com/office/drawing/2018/hyperlinkcolor" xmlns:p15="http://schemas.microsoft.com/office/powerpoint/2012/main" xmlns:p14="http://schemas.microsoft.com/office/powerpoint/2010/main" xmlns:com="http://schemas.openxmlformats.org/drawingml/2006/compatibility" xmlns:pvml="urn:schemas-microsoft-com:office:powerpoint" xmlns:v="urn:schemas-microsoft-com:vml" xmlns:o="urn:schemas-microsoft-com:office:office" xmlns:dgm="http://schemas.openxmlformats.org/drawingml/2006/diagram" xmlns:c="http://schemas.openxmlformats.org/drawingml/2006/chart" xmlns:mv="urn:schemas-microsoft-com:mac:vml" xmlns:mc="http://schemas.openxmlformats.org/markup-compatibility/2006" xmlns="" r:id="rId31" roundtripDataSignature="AMtx7mi7AOUiGfioVPTFrFzTi+gJGDXQ/w=="/>
     </p:ext>
   </p:extLst>
 </p:presentation>
@@ -1898,8 +1898,21 @@
             </a:pPr>
             <a:r>
               <a:rPr lang="en-US" altLang="zh-CN" dirty="0"/>
-              <a:t>Prof Song, you send me an </a:t>
+              <a:t>I do the HR estimation on Real </a:t>
             </a:r>
+            <a:r>
+              <a:rPr lang="en-US" altLang="zh-CN" dirty="0" err="1"/>
+              <a:t>Afib</a:t>
+            </a:r>
+            <a:r>
+              <a:rPr lang="en-US" altLang="zh-CN" dirty="0"/>
+              <a:t> data. The results are listed in this table sheet. The table has 4 </a:t>
+            </a:r>
+            <a:r>
+              <a:rPr lang="en-US" altLang="zh-CN" dirty="0" err="1"/>
+              <a:t>colums</a:t>
+            </a:r>
+            <a:endParaRPr lang="en-US" altLang="zh-CN" dirty="0"/>
           </a:p>
         </p:txBody>
       </p:sp>
@@ -10618,8 +10631,8 @@
         </p:nvSpPr>
         <p:spPr>
           <a:xfrm>
-            <a:off x="-1" y="0"/>
-            <a:ext cx="5765075" cy="369332"/>
+            <a:off x="0" y="0"/>
+            <a:ext cx="5659656" cy="369332"/>
           </a:xfrm>
           <a:prstGeom prst="rect">
             <a:avLst/>
@@ -11439,7 +11452,7 @@
         </p:nvSpPr>
         <p:spPr>
           <a:xfrm>
-            <a:off x="0" y="536957"/>
+            <a:off x="0" y="551328"/>
             <a:ext cx="3388092" cy="307777"/>
           </a:xfrm>
           <a:prstGeom prst="rect">
@@ -11454,7 +11467,7 @@
           <a:lstStyle/>
           <a:p>
             <a:r>
-              <a:rPr lang="en-US" altLang="zh-CN" dirty="0">
+              <a:rPr lang="en-US" altLang="zh-CN" b="1" dirty="0">
                 <a:solidFill>
                   <a:schemeClr val="dk1"/>
                 </a:solidFill>
@@ -11462,7 +11475,7 @@
               </a:rPr>
               <a:t>HR Estimation on Real AFib Data</a:t>
             </a:r>
-            <a:endParaRPr lang="zh-CN" altLang="en-US" dirty="0">
+            <a:endParaRPr lang="zh-CN" altLang="en-US" b="1" dirty="0">
               <a:solidFill>
                 <a:schemeClr val="dk1"/>
               </a:solidFill>
@@ -11486,7 +11499,7 @@
         <p:spPr>
           <a:xfrm>
             <a:off x="705623" y="4875244"/>
-            <a:ext cx="10780754" cy="1815882"/>
+            <a:ext cx="10780754" cy="1600438"/>
           </a:xfrm>
           <a:prstGeom prst="rect">
             <a:avLst/>
@@ -11574,7 +11587,7 @@
             </a:pPr>
             <a:r>
               <a:rPr lang="en-US" altLang="zh-CN" dirty="0"/>
-              <a:t>I made some improvements to the original model, which works well, utilizing </a:t>
+              <a:t>My new model works well, utilizing </a:t>
             </a:r>
             <a:r>
               <a:rPr lang="en-US" altLang="zh-CN" b="1" u="sng" dirty="0"/>
@@ -11607,7 +11620,7 @@
             </a:r>
             <a:r>
               <a:rPr lang="en-US" altLang="zh-CN" u="sng" dirty="0"/>
-              <a:t>I treat this </a:t>
+              <a:t>I treated this </a:t>
             </a:r>
             <a:r>
               <a:rPr lang="en-US" altLang="zh-CN" u="sng" dirty="0" err="1"/>
@@ -12286,7 +12299,7 @@
         </p:blipFill>
         <p:spPr>
           <a:xfrm>
-            <a:off x="0" y="4361701"/>
+            <a:off x="0" y="3761347"/>
             <a:ext cx="12192000" cy="1270000"/>
           </a:xfrm>
           <a:prstGeom prst="rect">
@@ -12316,7 +12329,7 @@
         </p:blipFill>
         <p:spPr>
           <a:xfrm>
-            <a:off x="0" y="2444231"/>
+            <a:off x="0" y="2062239"/>
             <a:ext cx="12192000" cy="1270000"/>
           </a:xfrm>
           <a:prstGeom prst="rect">
@@ -12346,7 +12359,7 @@
         </p:blipFill>
         <p:spPr>
           <a:xfrm>
-            <a:off x="0" y="526761"/>
+            <a:off x="0" y="363131"/>
             <a:ext cx="12192000" cy="1270000"/>
           </a:xfrm>
           <a:prstGeom prst="rect">
@@ -12368,7 +12381,7 @@
         </p:nvSpPr>
         <p:spPr>
           <a:xfrm>
-            <a:off x="1001027" y="238318"/>
+            <a:off x="1001027" y="74688"/>
             <a:ext cx="4417996" cy="307777"/>
           </a:xfrm>
           <a:prstGeom prst="rect">
@@ -12452,7 +12465,7 @@
         </p:nvSpPr>
         <p:spPr>
           <a:xfrm>
-            <a:off x="1001027" y="2136454"/>
+            <a:off x="1001027" y="1754462"/>
             <a:ext cx="4417996" cy="307777"/>
           </a:xfrm>
           <a:prstGeom prst="rect">
@@ -12536,7 +12549,7 @@
         </p:nvSpPr>
         <p:spPr>
           <a:xfrm>
-            <a:off x="1001027" y="4053924"/>
+            <a:off x="1001027" y="3453570"/>
             <a:ext cx="4417996" cy="307777"/>
           </a:xfrm>
           <a:prstGeom prst="rect">
@@ -12603,6 +12616,96 @@
                 </a:schemeClr>
               </a:solidFill>
             </a:endParaRPr>
+          </a:p>
+        </p:txBody>
+      </p:sp>
+      <p:sp>
+        <p:nvSpPr>
+          <p:cNvPr id="6" name="文本框 5">
+            <a:extLst>
+              <a:ext uri="{FF2B5EF4-FFF2-40B4-BE49-F238E27FC236}">
+                <a16:creationId xmlns:a16="http://schemas.microsoft.com/office/drawing/2014/main" id="{F48C9171-36A0-1E9D-F051-E4B646DFC441}"/>
+              </a:ext>
+            </a:extLst>
+          </p:cNvPr>
+          <p:cNvSpPr txBox="1"/>
+          <p:nvPr/>
+        </p:nvSpPr>
+        <p:spPr>
+          <a:xfrm>
+            <a:off x="59355" y="5221375"/>
+            <a:ext cx="12073289" cy="1384995"/>
+          </a:xfrm>
+          <a:prstGeom prst="rect">
+            <a:avLst/>
+          </a:prstGeom>
+          <a:noFill/>
+        </p:spPr>
+        <p:txBody>
+          <a:bodyPr wrap="square" rtlCol="0">
+            <a:spAutoFit/>
+          </a:bodyPr>
+          <a:lstStyle>
+            <a:defPPr marR="0" lvl="0" algn="l" rtl="0">
+              <a:lnSpc>
+                <a:spcPct val="100000"/>
+              </a:lnSpc>
+              <a:spcBef>
+                <a:spcPts val="0"/>
+              </a:spcBef>
+              <a:spcAft>
+                <a:spcPts val="0"/>
+              </a:spcAft>
+              <a:defRPr/>
+            </a:defPPr>
+            <a:lvl1pPr>
+              <a:defRPr>
+                <a:solidFill>
+                  <a:schemeClr val="dk1"/>
+                </a:solidFill>
+                <a:latin typeface="Consolas"/>
+              </a:defRPr>
+            </a:lvl1pPr>
+          </a:lstStyle>
+          <a:p>
+            <a:r>
+              <a:rPr lang="en-US" altLang="zh-CN" dirty="0"/>
+              <a:t>No matter from these figures or the MAE, we can see the performance of the new method is better than the old method. Here are two reasons:</a:t>
+            </a:r>
+          </a:p>
+          <a:p>
+            <a:pPr marL="342900" indent="-342900">
+              <a:buAutoNum type="arabicPeriod"/>
+            </a:pPr>
+            <a:r>
+              <a:rPr lang="en-US" altLang="zh-CN" dirty="0"/>
+              <a:t>New ICU data is high quality, and waveforms are more clear and stable, which helps a lot for segmentation and template generation.</a:t>
+            </a:r>
+          </a:p>
+          <a:p>
+            <a:pPr marL="342900" indent="-342900">
+              <a:buAutoNum type="arabicPeriod"/>
+            </a:pPr>
+            <a:r>
+              <a:rPr lang="en-US" altLang="zh-CN" dirty="0"/>
+              <a:t>The feature of real </a:t>
+            </a:r>
+            <a:r>
+              <a:rPr lang="en-US" altLang="zh-CN" dirty="0" err="1"/>
+              <a:t>Afib</a:t>
+            </a:r>
+            <a:r>
+              <a:rPr lang="en-US" altLang="zh-CN" dirty="0"/>
+              <a:t> data is consistent with our before assumption which we based on to generate simulated </a:t>
+            </a:r>
+            <a:r>
+              <a:rPr lang="en-US" altLang="zh-CN" dirty="0" err="1"/>
+              <a:t>Afib</a:t>
+            </a:r>
+            <a:r>
+              <a:rPr lang="en-US" altLang="zh-CN" dirty="0"/>
+              <a:t> data. We don’t need to change the algo too much to make it work on real data.</a:t>
+            </a:r>
           </a:p>
         </p:txBody>
       </p:sp>
@@ -12737,8 +12840,8 @@
         </p:nvSpPr>
         <p:spPr>
           <a:xfrm>
-            <a:off x="255811" y="3214568"/>
-            <a:ext cx="11593292" cy="1600438"/>
+            <a:off x="255811" y="3429000"/>
+            <a:ext cx="11593292" cy="2246769"/>
           </a:xfrm>
           <a:prstGeom prst="rect">
             <a:avLst/>
@@ -12752,13 +12855,22 @@
           <a:lstStyle/>
           <a:p>
             <a:r>
+              <a:rPr lang="en-US" altLang="zh-CN" b="1" u="sng" dirty="0">
+                <a:solidFill>
+                  <a:schemeClr val="dk1"/>
+                </a:solidFill>
+                <a:latin typeface="Consolas"/>
+              </a:rPr>
+              <a:t>Segmentation and template generation are crucial parts</a:t>
+            </a:r>
+            <a:r>
               <a:rPr lang="en-US" altLang="zh-CN" dirty="0">
                 <a:solidFill>
                   <a:schemeClr val="dk1"/>
                 </a:solidFill>
                 <a:latin typeface="Consolas"/>
               </a:rPr>
-              <a:t>I made some improvements to the segmentation. After applying this method, the long template containing more than one period, like the above bule lines, won’t appear again. The blue lines above will be replaced by the yellow lines.  </a:t>
+              <a:t> of the algorithm, directly impacting the accuracy. I made some improvements to the segmentation. </a:t>
             </a:r>
           </a:p>
           <a:p>
@@ -12785,7 +12897,34 @@
                 </a:solidFill>
                 <a:latin typeface="Consolas"/>
               </a:rPr>
-              <a:t>Compared to research, this method is more about engineering implementation, but it works so well. HR estimation(MAE) of the </a:t>
+              <a:t>After this improvement, the long template containing more than one period, like the above bule lines, won’t appear again. The blue lines above will be replaced by the yellow lines.  </a:t>
+            </a:r>
+          </a:p>
+          <a:p>
+            <a:endParaRPr lang="en-US" altLang="zh-CN" dirty="0">
+              <a:solidFill>
+                <a:schemeClr val="dk1"/>
+              </a:solidFill>
+              <a:latin typeface="Consolas"/>
+            </a:endParaRPr>
+          </a:p>
+          <a:p>
+            <a:endParaRPr lang="en-US" altLang="zh-CN" dirty="0">
+              <a:solidFill>
+                <a:schemeClr val="dk1"/>
+              </a:solidFill>
+              <a:latin typeface="Consolas"/>
+            </a:endParaRPr>
+          </a:p>
+          <a:p>
+            <a:r>
+              <a:rPr lang="en-US" altLang="zh-CN" dirty="0">
+                <a:solidFill>
+                  <a:schemeClr val="dk1"/>
+                </a:solidFill>
+                <a:latin typeface="Consolas"/>
+              </a:rPr>
+              <a:t>Compared to research, this improvement is more about engineering implementation, but it works so well. HR estimation(MAE) of the </a:t>
             </a:r>
             <a:r>
               <a:rPr lang="en-US" altLang="zh-CN" dirty="0" err="1">

--- a/Presentation_0722_JiayuChen.pptx
+++ b/Presentation_0722_JiayuChen.pptx
@@ -251,7 +251,7 @@
       <p15:sldGuideLst xmlns:p15="http://schemas.microsoft.com/office/powerpoint/2012/main"/>
     </p:ext>
     <p:ext uri="GoogleSlidesCustomDataVersion2">
-      <go:slidesCustomData xmlns:go="http://customooxmlschemas.google.com/" xmlns:ahyp="http://schemas.microsoft.com/office/drawing/2018/hyperlinkcolor" xmlns:p15="http://schemas.microsoft.com/office/powerpoint/2012/main" xmlns:p14="http://schemas.microsoft.com/office/powerpoint/2010/main" xmlns:com="http://schemas.openxmlformats.org/drawingml/2006/compatibility" xmlns:pvml="urn:schemas-microsoft-com:office:powerpoint" xmlns:v="urn:schemas-microsoft-com:vml" xmlns:o="urn:schemas-microsoft-com:office:office" xmlns:dgm="http://schemas.openxmlformats.org/drawingml/2006/diagram" xmlns:c="http://schemas.openxmlformats.org/drawingml/2006/chart" xmlns:mv="urn:schemas-microsoft-com:mac:vml" xmlns:mc="http://schemas.openxmlformats.org/markup-compatibility/2006" xmlns="" r:id="rId31" roundtripDataSignature="AMtx7mi7AOUiGfioVPTFrFzTi+gJGDXQ/w=="/>
+      <go:slidesCustomData xmlns="" xmlns:mc="http://schemas.openxmlformats.org/markup-compatibility/2006" xmlns:mv="urn:schemas-microsoft-com:mac:vml" xmlns:c="http://schemas.openxmlformats.org/drawingml/2006/chart" xmlns:dgm="http://schemas.openxmlformats.org/drawingml/2006/diagram" xmlns:o="urn:schemas-microsoft-com:office:office" xmlns:v="urn:schemas-microsoft-com:vml" xmlns:pvml="urn:schemas-microsoft-com:office:powerpoint" xmlns:com="http://schemas.openxmlformats.org/drawingml/2006/compatibility" xmlns:p14="http://schemas.microsoft.com/office/powerpoint/2010/main" xmlns:p15="http://schemas.microsoft.com/office/powerpoint/2012/main" xmlns:ahyp="http://schemas.microsoft.com/office/drawing/2018/hyperlinkcolor" xmlns:go="http://customooxmlschemas.google.com/" r:id="rId31" roundtripDataSignature="AMtx7mi7AOUiGfioVPTFrFzTi+gJGDXQ/w=="/>
     </p:ext>
   </p:extLst>
 </p:presentation>
@@ -1896,22 +1896,6 @@
               </a:spcAft>
               <a:buNone/>
             </a:pPr>
-            <a:r>
-              <a:rPr lang="en-US" altLang="zh-CN" dirty="0"/>
-              <a:t>I do the HR estimation on Real </a:t>
-            </a:r>
-            <a:r>
-              <a:rPr lang="en-US" altLang="zh-CN" dirty="0" err="1"/>
-              <a:t>Afib</a:t>
-            </a:r>
-            <a:r>
-              <a:rPr lang="en-US" altLang="zh-CN" dirty="0"/>
-              <a:t> data. The results are listed in this table sheet. The table has 4 </a:t>
-            </a:r>
-            <a:r>
-              <a:rPr lang="en-US" altLang="zh-CN" dirty="0" err="1"/>
-              <a:t>colums</a:t>
-            </a:r>
             <a:endParaRPr lang="en-US" altLang="zh-CN" dirty="0"/>
           </a:p>
         </p:txBody>
@@ -10471,7 +10455,7 @@
         </p:nvSpPr>
         <p:spPr>
           <a:xfrm>
-            <a:off x="2838373" y="2442232"/>
+            <a:off x="2838375" y="2478808"/>
             <a:ext cx="6515249" cy="1200288"/>
           </a:xfrm>
           <a:prstGeom prst="rect">
@@ -12010,7 +11994,7 @@
         </p:blipFill>
         <p:spPr>
           <a:xfrm>
-            <a:off x="6505801" y="2305136"/>
+            <a:off x="6505801" y="2293261"/>
             <a:ext cx="5476405" cy="1478592"/>
           </a:xfrm>
           <a:prstGeom prst="rect">
@@ -12039,7 +12023,7 @@
         </p:blipFill>
         <p:spPr>
           <a:xfrm>
-            <a:off x="6505801" y="4342771"/>
+            <a:off x="6505801" y="4323364"/>
             <a:ext cx="5476405" cy="1478592"/>
           </a:xfrm>
           <a:prstGeom prst="rect">
